--- a/Clase 12/Clase 12.pptx
+++ b/Clase 12/Clase 12.pptx
@@ -6,7 +6,7 @@
     <p:sldMasterId id="2147483648" r:id="rId2"/>
   </p:sldMasterIdLst>
   <p:notesMasterIdLst>
-    <p:notesMasterId r:id="rId31"/>
+    <p:notesMasterId r:id="rId32"/>
   </p:notesMasterIdLst>
   <p:sldIdLst>
     <p:sldId id="256" r:id="rId3"/>
@@ -37,6 +37,7 @@
     <p:sldId id="361" r:id="rId28"/>
     <p:sldId id="362" r:id="rId29"/>
     <p:sldId id="363" r:id="rId30"/>
+    <p:sldId id="364" r:id="rId31"/>
   </p:sldIdLst>
   <p:sldSz cx="9144000" cy="5143500" type="screen16x9"/>
   <p:notesSz cx="6858000" cy="9144000"/>
@@ -1428,7 +1429,7 @@
           <a:p>
             <a:fld id="{7F8E3347-EFDA-483A-9E95-BDA4F3B6010F}" type="datetimeFigureOut">
               <a:rPr lang="en-US" smtClean="0"/>
-              <a:t>4/11/20</a:t>
+              <a:t>4/11/2020</a:t>
             </a:fld>
             <a:endParaRPr lang="en-US"/>
           </a:p>
@@ -1483,7 +1484,7 @@
                   <a:schemeClr val="dk2"/>
                 </a:solidFill>
               </a:rPr>
-              <a:t>‹#›</a:t>
+              <a:t>‹Nº›</a:t>
             </a:fld>
             <a:endParaRPr lang="es" sz="1000">
               <a:solidFill>
@@ -1654,7 +1655,7 @@
           <a:p>
             <a:fld id="{7F8E3347-EFDA-483A-9E95-BDA4F3B6010F}" type="datetimeFigureOut">
               <a:rPr lang="en-US" smtClean="0"/>
-              <a:t>4/11/20</a:t>
+              <a:t>4/11/2020</a:t>
             </a:fld>
             <a:endParaRPr lang="en-US"/>
           </a:p>
@@ -1709,7 +1710,7 @@
                   <a:schemeClr val="dk2"/>
                 </a:solidFill>
               </a:rPr>
-              <a:t>‹#›</a:t>
+              <a:t>‹Nº›</a:t>
             </a:fld>
             <a:endParaRPr lang="es" sz="1000">
               <a:solidFill>
@@ -1928,7 +1929,7 @@
           <a:p>
             <a:fld id="{7F8E3347-EFDA-483A-9E95-BDA4F3B6010F}" type="datetimeFigureOut">
               <a:rPr lang="en-US" smtClean="0"/>
-              <a:t>4/11/20</a:t>
+              <a:t>4/11/2020</a:t>
             </a:fld>
             <a:endParaRPr lang="en-US"/>
           </a:p>
@@ -1983,7 +1984,7 @@
                   <a:schemeClr val="dk2"/>
                 </a:solidFill>
               </a:rPr>
-              <a:t>‹#›</a:t>
+              <a:t>‹Nº›</a:t>
             </a:fld>
             <a:endParaRPr lang="es" sz="1000">
               <a:solidFill>
@@ -2150,7 +2151,7 @@
           <a:p>
             <a:fld id="{1D8BD707-D9CF-40AE-B4C6-C98DA3205C09}" type="datetimeFigureOut">
               <a:rPr lang="en-US"/>
-              <a:t>4/11/20</a:t>
+              <a:t>4/11/2020</a:t>
             </a:fld>
             <a:endParaRPr lang="en-US"/>
           </a:p>
@@ -2182,7 +2183,7 @@
           </a:lstStyle>
           <a:p>
             <a:fld id="{B6F15528-21DE-4FAA-801E-634DDDAF4B2B}" type="slidenum">
-              <a:t>‹#›</a:t>
+              <a:t>‹Nº›</a:t>
             </a:fld>
             <a:endParaRPr/>
           </a:p>
@@ -2325,7 +2326,7 @@
           <a:p>
             <a:fld id="{1D8BD707-D9CF-40AE-B4C6-C98DA3205C09}" type="datetimeFigureOut">
               <a:rPr lang="en-US"/>
-              <a:t>4/11/20</a:t>
+              <a:t>4/11/2020</a:t>
             </a:fld>
             <a:endParaRPr lang="en-US"/>
           </a:p>
@@ -2357,7 +2358,7 @@
           </a:lstStyle>
           <a:p>
             <a:fld id="{B6F15528-21DE-4FAA-801E-634DDDAF4B2B}" type="slidenum">
-              <a:t>‹#›</a:t>
+              <a:t>‹Nº›</a:t>
             </a:fld>
             <a:endParaRPr/>
           </a:p>
@@ -2539,7 +2540,7 @@
           <a:p>
             <a:fld id="{1D8BD707-D9CF-40AE-B4C6-C98DA3205C09}" type="datetimeFigureOut">
               <a:rPr lang="en-US"/>
-              <a:t>4/11/20</a:t>
+              <a:t>4/11/2020</a:t>
             </a:fld>
             <a:endParaRPr lang="en-US"/>
           </a:p>
@@ -2571,7 +2572,7 @@
           </a:lstStyle>
           <a:p>
             <a:fld id="{B6F15528-21DE-4FAA-801E-634DDDAF4B2B}" type="slidenum">
-              <a:t>‹#›</a:t>
+              <a:t>‹Nº›</a:t>
             </a:fld>
             <a:endParaRPr/>
           </a:p>
@@ -2837,7 +2838,7 @@
           <a:p>
             <a:fld id="{1D8BD707-D9CF-40AE-B4C6-C98DA3205C09}" type="datetimeFigureOut">
               <a:rPr lang="en-US"/>
-              <a:t>4/11/20</a:t>
+              <a:t>4/11/2020</a:t>
             </a:fld>
             <a:endParaRPr lang="en-US"/>
           </a:p>
@@ -2869,7 +2870,7 @@
           </a:lstStyle>
           <a:p>
             <a:fld id="{B6F15528-21DE-4FAA-801E-634DDDAF4B2B}" type="slidenum">
-              <a:t>‹#›</a:t>
+              <a:t>‹Nº›</a:t>
             </a:fld>
             <a:endParaRPr/>
           </a:p>
@@ -3106,7 +3107,7 @@
           <a:p>
             <a:fld id="{1D8BD707-D9CF-40AE-B4C6-C98DA3205C09}" type="datetimeFigureOut">
               <a:rPr lang="en-US"/>
-              <a:t>4/11/20</a:t>
+              <a:t>4/11/2020</a:t>
             </a:fld>
             <a:endParaRPr lang="en-US"/>
           </a:p>
@@ -3138,7 +3139,7 @@
           </a:lstStyle>
           <a:p>
             <a:fld id="{B6F15528-21DE-4FAA-801E-634DDDAF4B2B}" type="slidenum">
-              <a:t>‹#›</a:t>
+              <a:t>‹Nº›</a:t>
             </a:fld>
             <a:endParaRPr/>
           </a:p>
@@ -3261,7 +3262,7 @@
           <a:p>
             <a:fld id="{7F8E3347-EFDA-483A-9E95-BDA4F3B6010F}" type="datetimeFigureOut">
               <a:rPr lang="en-US" smtClean="0"/>
-              <a:t>4/11/20</a:t>
+              <a:t>4/11/2020</a:t>
             </a:fld>
             <a:endParaRPr lang="en-US"/>
           </a:p>
@@ -3316,7 +3317,7 @@
                   <a:schemeClr val="dk2"/>
                 </a:solidFill>
               </a:rPr>
-              <a:t>‹#›</a:t>
+              <a:t>‹Nº›</a:t>
             </a:fld>
             <a:endParaRPr lang="es" sz="1000">
               <a:solidFill>
@@ -3614,7 +3615,7 @@
           <a:p>
             <a:fld id="{7F8E3347-EFDA-483A-9E95-BDA4F3B6010F}" type="datetimeFigureOut">
               <a:rPr lang="en-US" smtClean="0"/>
-              <a:t>4/11/20</a:t>
+              <a:t>4/11/2020</a:t>
             </a:fld>
             <a:endParaRPr lang="en-US"/>
           </a:p>
@@ -3669,7 +3670,7 @@
                   <a:schemeClr val="dk2"/>
                 </a:solidFill>
               </a:rPr>
-              <a:t>‹#›</a:t>
+              <a:t>‹Nº›</a:t>
             </a:fld>
             <a:endParaRPr lang="es" sz="1000">
               <a:solidFill>
@@ -3907,7 +3908,7 @@
           <a:p>
             <a:fld id="{7F8E3347-EFDA-483A-9E95-BDA4F3B6010F}" type="datetimeFigureOut">
               <a:rPr lang="en-US" smtClean="0"/>
-              <a:t>4/11/20</a:t>
+              <a:t>4/11/2020</a:t>
             </a:fld>
             <a:endParaRPr lang="en-US"/>
           </a:p>
@@ -3962,7 +3963,7 @@
                   <a:schemeClr val="dk2"/>
                 </a:solidFill>
               </a:rPr>
-              <a:t>‹#›</a:t>
+              <a:t>‹Nº›</a:t>
             </a:fld>
             <a:endParaRPr lang="es" sz="1000">
               <a:solidFill>
@@ -4304,7 +4305,7 @@
           <a:p>
             <a:fld id="{7F8E3347-EFDA-483A-9E95-BDA4F3B6010F}" type="datetimeFigureOut">
               <a:rPr lang="en-US" smtClean="0"/>
-              <a:t>4/11/20</a:t>
+              <a:t>4/11/2020</a:t>
             </a:fld>
             <a:endParaRPr lang="en-US"/>
           </a:p>
@@ -4359,7 +4360,7 @@
                   <a:schemeClr val="dk2"/>
                 </a:solidFill>
               </a:rPr>
-              <a:t>‹#›</a:t>
+              <a:t>‹Nº›</a:t>
             </a:fld>
             <a:endParaRPr lang="es" sz="1000">
               <a:solidFill>
@@ -4440,7 +4441,7 @@
           <a:p>
             <a:fld id="{7F8E3347-EFDA-483A-9E95-BDA4F3B6010F}" type="datetimeFigureOut">
               <a:rPr lang="en-US" smtClean="0"/>
-              <a:t>4/11/20</a:t>
+              <a:t>4/11/2020</a:t>
             </a:fld>
             <a:endParaRPr lang="en-US"/>
           </a:p>
@@ -4495,7 +4496,7 @@
                   <a:schemeClr val="dk2"/>
                 </a:solidFill>
               </a:rPr>
-              <a:t>‹#›</a:t>
+              <a:t>‹Nº›</a:t>
             </a:fld>
             <a:endParaRPr lang="es" sz="1000">
               <a:solidFill>
@@ -4629,7 +4630,7 @@
           <a:p>
             <a:fld id="{7F8E3347-EFDA-483A-9E95-BDA4F3B6010F}" type="datetimeFigureOut">
               <a:rPr lang="en-US" smtClean="0"/>
-              <a:t>4/11/20</a:t>
+              <a:t>4/11/2020</a:t>
             </a:fld>
             <a:endParaRPr lang="en-US"/>
           </a:p>
@@ -4688,7 +4689,7 @@
             </a:pPr>
             <a:fld id="{00000000-1234-1234-1234-123412341234}" type="slidenum">
               <a:rPr lang="es" smtClean="0"/>
-              <a:t>‹#›</a:t>
+              <a:t>‹Nº›</a:t>
             </a:fld>
             <a:endParaRPr lang="es"/>
           </a:p>
@@ -4992,7 +4993,7 @@
           <a:p>
             <a:fld id="{7F8E3347-EFDA-483A-9E95-BDA4F3B6010F}" type="datetimeFigureOut">
               <a:rPr lang="en-US" smtClean="0"/>
-              <a:t>4/11/20</a:t>
+              <a:t>4/11/2020</a:t>
             </a:fld>
             <a:endParaRPr lang="en-US"/>
           </a:p>
@@ -5068,7 +5069,7 @@
                   <a:schemeClr val="dk2"/>
                 </a:solidFill>
               </a:rPr>
-              <a:t>‹#›</a:t>
+              <a:t>‹Nº›</a:t>
             </a:fld>
             <a:endParaRPr lang="es" sz="1000">
               <a:solidFill>
@@ -5387,7 +5388,7 @@
           <a:p>
             <a:fld id="{7F8E3347-EFDA-483A-9E95-BDA4F3B6010F}" type="datetimeFigureOut">
               <a:rPr lang="en-US" smtClean="0"/>
-              <a:t>4/11/20</a:t>
+              <a:t>4/11/2020</a:t>
             </a:fld>
             <a:endParaRPr lang="en-US"/>
           </a:p>
@@ -5442,7 +5443,7 @@
                   <a:schemeClr val="dk2"/>
                 </a:solidFill>
               </a:rPr>
-              <a:t>‹#›</a:t>
+              <a:t>‹Nº›</a:t>
             </a:fld>
             <a:endParaRPr lang="es" sz="1000">
               <a:solidFill>
@@ -5692,7 +5693,7 @@
           <a:p>
             <a:fld id="{7F8E3347-EFDA-483A-9E95-BDA4F3B6010F}" type="datetimeFigureOut">
               <a:rPr lang="en-US" smtClean="0"/>
-              <a:t>4/11/20</a:t>
+              <a:t>4/11/2020</a:t>
             </a:fld>
             <a:endParaRPr lang="en-US"/>
           </a:p>
@@ -5779,7 +5780,7 @@
                   <a:schemeClr val="dk2"/>
                 </a:solidFill>
               </a:rPr>
-              <a:t>‹#›</a:t>
+              <a:t>‹Nº›</a:t>
             </a:fld>
             <a:endParaRPr lang="es" sz="1000">
               <a:solidFill>
@@ -6536,7 +6537,7 @@
           <a:p>
             <a:fld id="{1D8BD707-D9CF-40AE-B4C6-C98DA3205C09}" type="datetimeFigureOut">
               <a:rPr lang="en-US"/>
-              <a:t>4/11/20</a:t>
+              <a:t>4/11/2020</a:t>
             </a:fld>
             <a:endParaRPr lang="en-US"/>
           </a:p>
@@ -6578,7 +6579,7 @@
           </a:lstStyle>
           <a:p>
             <a:fld id="{B6F15528-21DE-4FAA-801E-634DDDAF4B2B}" type="slidenum">
-              <a:t>‹#›</a:t>
+              <a:t>‹Nº›</a:t>
             </a:fld>
             <a:endParaRPr/>
           </a:p>
@@ -6824,13 +6825,10 @@
               <a:buNone/>
             </a:pPr>
             <a:r>
-              <a:rPr lang="es-ES" dirty="0"/>
-              <a:t>CONSUMO DE</a:t>
-            </a:r>
-            <a:r>
-              <a:rPr lang="es" dirty="0"/>
-              <a:t> API REST</a:t>
-            </a:r>
+              <a:rPr lang="es-ES" dirty="0" smtClean="0"/>
+              <a:t>Notificaciones y servicios</a:t>
+            </a:r>
+            <a:endParaRPr lang="es" dirty="0"/>
           </a:p>
           <a:p>
             <a:pPr marL="0" lvl="0" indent="0">
@@ -6942,6 +6940,13 @@
   <p:clrMapOvr>
     <a:masterClrMapping/>
   </p:clrMapOvr>
+  <p:timing>
+    <p:tnLst>
+      <p:par>
+        <p:cTn id="1" dur="indefinite" restart="never" nodeType="tmRoot"/>
+      </p:par>
+    </p:tnLst>
+  </p:timing>
 </p:sld>
 </file>
 
@@ -7892,6 +7897,13 @@
   <p:clrMapOvr>
     <a:masterClrMapping/>
   </p:clrMapOvr>
+  <p:timing>
+    <p:tnLst>
+      <p:par>
+        <p:cTn id="1" dur="indefinite" restart="never" nodeType="tmRoot"/>
+      </p:par>
+    </p:tnLst>
+  </p:timing>
 </p:sld>
 </file>
 
@@ -8624,6 +8636,13 @@
   <p:clrMapOvr>
     <a:masterClrMapping/>
   </p:clrMapOvr>
+  <p:timing>
+    <p:tnLst>
+      <p:par>
+        <p:cTn id="1" dur="indefinite" restart="never" nodeType="tmRoot"/>
+      </p:par>
+    </p:tnLst>
+  </p:timing>
 </p:sld>
 </file>
 
@@ -8776,6 +8795,13 @@
   <p:clrMapOvr>
     <a:masterClrMapping/>
   </p:clrMapOvr>
+  <p:timing>
+    <p:tnLst>
+      <p:par>
+        <p:cTn id="1" dur="indefinite" restart="never" nodeType="tmRoot"/>
+      </p:par>
+    </p:tnLst>
+  </p:timing>
 </p:sld>
 </file>
 
@@ -9464,6 +9490,13 @@
   <p:clrMapOvr>
     <a:masterClrMapping/>
   </p:clrMapOvr>
+  <p:timing>
+    <p:tnLst>
+      <p:par>
+        <p:cTn id="1" dur="indefinite" restart="never" nodeType="tmRoot"/>
+      </p:par>
+    </p:tnLst>
+  </p:timing>
 </p:sld>
 </file>
 
@@ -10246,6 +10279,13 @@
   <p:clrMapOvr>
     <a:masterClrMapping/>
   </p:clrMapOvr>
+  <p:timing>
+    <p:tnLst>
+      <p:par>
+        <p:cTn id="1" dur="indefinite" restart="never" nodeType="tmRoot"/>
+      </p:par>
+    </p:tnLst>
+  </p:timing>
 </p:sld>
 </file>
 
@@ -10398,6 +10438,13 @@
   <p:clrMapOvr>
     <a:masterClrMapping/>
   </p:clrMapOvr>
+  <p:timing>
+    <p:tnLst>
+      <p:par>
+        <p:cTn id="1" dur="indefinite" restart="never" nodeType="tmRoot"/>
+      </p:par>
+    </p:tnLst>
+  </p:timing>
 </p:sld>
 </file>
 
@@ -10795,6 +10842,13 @@
   <p:clrMapOvr>
     <a:masterClrMapping/>
   </p:clrMapOvr>
+  <p:timing>
+    <p:tnLst>
+      <p:par>
+        <p:cTn id="1" dur="indefinite" restart="never" nodeType="tmRoot"/>
+      </p:par>
+    </p:tnLst>
+  </p:timing>
 </p:sld>
 </file>
 
@@ -11146,6 +11200,13 @@
   <p:clrMapOvr>
     <a:masterClrMapping/>
   </p:clrMapOvr>
+  <p:timing>
+    <p:tnLst>
+      <p:par>
+        <p:cTn id="1" dur="indefinite" restart="never" nodeType="tmRoot"/>
+      </p:par>
+    </p:tnLst>
+  </p:timing>
 </p:sld>
 </file>
 
@@ -11695,6 +11756,13 @@
   <p:clrMapOvr>
     <a:masterClrMapping/>
   </p:clrMapOvr>
+  <p:timing>
+    <p:tnLst>
+      <p:par>
+        <p:cTn id="1" dur="indefinite" restart="never" nodeType="tmRoot"/>
+      </p:par>
+    </p:tnLst>
+  </p:timing>
 </p:sld>
 </file>
 
@@ -12346,6 +12414,13 @@
   <p:clrMapOvr>
     <a:masterClrMapping/>
   </p:clrMapOvr>
+  <p:timing>
+    <p:tnLst>
+      <p:par>
+        <p:cTn id="1" dur="indefinite" restart="never" nodeType="tmRoot"/>
+      </p:par>
+    </p:tnLst>
+  </p:timing>
 </p:sld>
 </file>
 
@@ -12498,6 +12573,13 @@
   <p:clrMapOvr>
     <a:masterClrMapping/>
   </p:clrMapOvr>
+  <p:timing>
+    <p:tnLst>
+      <p:par>
+        <p:cTn id="1" dur="indefinite" restart="never" nodeType="tmRoot"/>
+      </p:par>
+    </p:tnLst>
+  </p:timing>
 </p:sld>
 </file>
 
@@ -12951,6 +13033,13 @@
   <p:clrMapOvr>
     <a:masterClrMapping/>
   </p:clrMapOvr>
+  <p:timing>
+    <p:tnLst>
+      <p:par>
+        <p:cTn id="1" dur="indefinite" restart="never" nodeType="tmRoot"/>
+      </p:par>
+    </p:tnLst>
+  </p:timing>
 </p:sld>
 </file>
 
@@ -13492,6 +13581,13 @@
   <p:clrMapOvr>
     <a:masterClrMapping/>
   </p:clrMapOvr>
+  <p:timing>
+    <p:tnLst>
+      <p:par>
+        <p:cTn id="1" dur="indefinite" restart="never" nodeType="tmRoot"/>
+      </p:par>
+    </p:tnLst>
+  </p:timing>
 </p:sld>
 </file>
 
@@ -14085,6 +14181,13 @@
   <p:clrMapOvr>
     <a:masterClrMapping/>
   </p:clrMapOvr>
+  <p:timing>
+    <p:tnLst>
+      <p:par>
+        <p:cTn id="1" dur="indefinite" restart="never" nodeType="tmRoot"/>
+      </p:par>
+    </p:tnLst>
+  </p:timing>
 </p:sld>
 </file>
 
@@ -14678,6 +14781,13 @@
   <p:clrMapOvr>
     <a:masterClrMapping/>
   </p:clrMapOvr>
+  <p:timing>
+    <p:tnLst>
+      <p:par>
+        <p:cTn id="1" dur="indefinite" restart="never" nodeType="tmRoot"/>
+      </p:par>
+    </p:tnLst>
+  </p:timing>
 </p:sld>
 </file>
 
@@ -15183,6 +15293,13 @@
   <p:clrMapOvr>
     <a:masterClrMapping/>
   </p:clrMapOvr>
+  <p:timing>
+    <p:tnLst>
+      <p:par>
+        <p:cTn id="1" dur="indefinite" restart="never" nodeType="tmRoot"/>
+      </p:par>
+    </p:tnLst>
+  </p:timing>
 </p:sld>
 </file>
 
@@ -15781,6 +15898,13 @@
   <p:clrMapOvr>
     <a:masterClrMapping/>
   </p:clrMapOvr>
+  <p:timing>
+    <p:tnLst>
+      <p:par>
+        <p:cTn id="1" dur="indefinite" restart="never" nodeType="tmRoot"/>
+      </p:par>
+    </p:tnLst>
+  </p:timing>
 </p:sld>
 </file>
 
@@ -16463,6 +16587,13 @@
   <p:clrMapOvr>
     <a:masterClrMapping/>
   </p:clrMapOvr>
+  <p:timing>
+    <p:tnLst>
+      <p:par>
+        <p:cTn id="1" dur="indefinite" restart="never" nodeType="tmRoot"/>
+      </p:par>
+    </p:tnLst>
+  </p:timing>
 </p:sld>
 </file>
 
@@ -17197,6 +17328,13 @@
   <p:clrMapOvr>
     <a:masterClrMapping/>
   </p:clrMapOvr>
+  <p:timing>
+    <p:tnLst>
+      <p:par>
+        <p:cTn id="1" dur="indefinite" restart="never" nodeType="tmRoot"/>
+      </p:par>
+    </p:tnLst>
+  </p:timing>
 </p:sld>
 </file>
 
@@ -17743,6 +17881,1065 @@
   <p:clrMapOvr>
     <a:masterClrMapping/>
   </p:clrMapOvr>
+  <p:timing>
+    <p:tnLst>
+      <p:par>
+        <p:cTn id="1" dur="indefinite" restart="never" nodeType="tmRoot"/>
+      </p:par>
+    </p:tnLst>
+  </p:timing>
+</p:sld>
+</file>
+
+<file path=ppt/slides/slide29.xml><?xml version="1.0" encoding="utf-8"?>
+<p:sld xmlns:a="http://schemas.openxmlformats.org/drawingml/2006/main" xmlns:r="http://schemas.openxmlformats.org/officeDocument/2006/relationships" xmlns:p="http://schemas.openxmlformats.org/presentationml/2006/main">
+  <p:cSld>
+    <p:spTree>
+      <p:nvGrpSpPr>
+        <p:cNvPr id="1" name=""/>
+        <p:cNvGrpSpPr/>
+        <p:nvPr/>
+      </p:nvGrpSpPr>
+      <p:grpSpPr>
+        <a:xfrm>
+          <a:off x="0" y="0"/>
+          <a:ext cx="0" cy="0"/>
+          <a:chOff x="0" y="0"/>
+          <a:chExt cx="0" cy="0"/>
+        </a:xfrm>
+      </p:grpSpPr>
+      <p:cxnSp>
+        <p:nvCxnSpPr>
+          <p:cNvPr id="7" name="Conector recto 6"/>
+          <p:cNvCxnSpPr/>
+          <p:nvPr/>
+        </p:nvCxnSpPr>
+        <p:spPr>
+          <a:xfrm>
+            <a:off x="3995936" y="1851670"/>
+            <a:ext cx="0" cy="2736304"/>
+          </a:xfrm>
+          <a:prstGeom prst="line">
+            <a:avLst/>
+          </a:prstGeom>
+          <a:ln>
+            <a:prstDash val="lgDash"/>
+          </a:ln>
+        </p:spPr>
+        <p:style>
+          <a:lnRef idx="1">
+            <a:schemeClr val="accent1"/>
+          </a:lnRef>
+          <a:fillRef idx="0">
+            <a:schemeClr val="accent1"/>
+          </a:fillRef>
+          <a:effectRef idx="0">
+            <a:schemeClr val="accent1"/>
+          </a:effectRef>
+          <a:fontRef idx="minor">
+            <a:schemeClr val="tx1"/>
+          </a:fontRef>
+        </p:style>
+      </p:cxnSp>
+      <p:sp>
+        <p:nvSpPr>
+          <p:cNvPr id="2" name="Título 1"/>
+          <p:cNvSpPr>
+            <a:spLocks noGrp="1"/>
+          </p:cNvSpPr>
+          <p:nvPr>
+            <p:ph type="title"/>
+          </p:nvPr>
+        </p:nvSpPr>
+        <p:spPr/>
+        <p:txBody>
+          <a:bodyPr/>
+          <a:lstStyle/>
+          <a:p>
+            <a:r>
+              <a:rPr lang="en-US" dirty="0" err="1">
+                <a:cs typeface="Calibri Light"/>
+              </a:rPr>
+              <a:t>Servicios</a:t>
+            </a:r>
+            <a:endParaRPr lang="es-CO" dirty="0"/>
+          </a:p>
+        </p:txBody>
+      </p:sp>
+      <p:sp>
+        <p:nvSpPr>
+          <p:cNvPr id="10" name="CuadroTexto 9"/>
+          <p:cNvSpPr txBox="1"/>
+          <p:nvPr/>
+        </p:nvSpPr>
+        <p:spPr>
+          <a:xfrm>
+            <a:off x="3275856" y="1481757"/>
+            <a:ext cx="1440160" cy="307777"/>
+          </a:xfrm>
+          <a:prstGeom prst="rect">
+            <a:avLst/>
+          </a:prstGeom>
+          <a:noFill/>
+        </p:spPr>
+        <p:txBody>
+          <a:bodyPr wrap="square" rtlCol="0">
+            <a:spAutoFit/>
+          </a:bodyPr>
+          <a:lstStyle/>
+          <a:p>
+            <a:pPr algn="ctr"/>
+            <a:r>
+              <a:rPr lang="es-ES" dirty="0" err="1">
+                <a:solidFill>
+                  <a:schemeClr val="tx1"/>
+                </a:solidFill>
+              </a:rPr>
+              <a:t>Activity</a:t>
+            </a:r>
+            <a:endParaRPr lang="es-CO" dirty="0">
+              <a:solidFill>
+                <a:schemeClr val="tx1"/>
+              </a:solidFill>
+            </a:endParaRPr>
+          </a:p>
+        </p:txBody>
+      </p:sp>
+      <p:sp>
+        <p:nvSpPr>
+          <p:cNvPr id="14" name="CuadroTexto 13"/>
+          <p:cNvSpPr txBox="1"/>
+          <p:nvPr/>
+        </p:nvSpPr>
+        <p:spPr>
+          <a:xfrm>
+            <a:off x="4644008" y="1475602"/>
+            <a:ext cx="1656184" cy="307777"/>
+          </a:xfrm>
+          <a:prstGeom prst="rect">
+            <a:avLst/>
+          </a:prstGeom>
+          <a:noFill/>
+        </p:spPr>
+        <p:txBody>
+          <a:bodyPr wrap="square" rtlCol="0">
+            <a:spAutoFit/>
+          </a:bodyPr>
+          <a:lstStyle/>
+          <a:p>
+            <a:pPr algn="ctr"/>
+            <a:r>
+              <a:rPr lang="es-ES" dirty="0">
+                <a:solidFill>
+                  <a:schemeClr val="tx1"/>
+                </a:solidFill>
+              </a:rPr>
+              <a:t>Play </a:t>
+            </a:r>
+            <a:r>
+              <a:rPr lang="es-ES" dirty="0" err="1">
+                <a:solidFill>
+                  <a:schemeClr val="tx1"/>
+                </a:solidFill>
+              </a:rPr>
+              <a:t>services</a:t>
+            </a:r>
+            <a:endParaRPr lang="es-CO" dirty="0">
+              <a:solidFill>
+                <a:schemeClr val="tx1"/>
+              </a:solidFill>
+            </a:endParaRPr>
+          </a:p>
+        </p:txBody>
+      </p:sp>
+      <p:sp>
+        <p:nvSpPr>
+          <p:cNvPr id="15" name="CuadroTexto 14"/>
+          <p:cNvSpPr txBox="1"/>
+          <p:nvPr/>
+        </p:nvSpPr>
+        <p:spPr>
+          <a:xfrm>
+            <a:off x="6300192" y="1475602"/>
+            <a:ext cx="1656184" cy="307777"/>
+          </a:xfrm>
+          <a:prstGeom prst="rect">
+            <a:avLst/>
+          </a:prstGeom>
+          <a:noFill/>
+        </p:spPr>
+        <p:txBody>
+          <a:bodyPr wrap="square" rtlCol="0">
+            <a:spAutoFit/>
+          </a:bodyPr>
+          <a:lstStyle/>
+          <a:p>
+            <a:pPr algn="ctr"/>
+            <a:r>
+              <a:rPr lang="es-ES" dirty="0" err="1">
+                <a:solidFill>
+                  <a:schemeClr val="tx1"/>
+                </a:solidFill>
+              </a:rPr>
+              <a:t>Notifications</a:t>
+            </a:r>
+            <a:endParaRPr lang="es-CO" dirty="0">
+              <a:solidFill>
+                <a:schemeClr val="tx1"/>
+              </a:solidFill>
+            </a:endParaRPr>
+          </a:p>
+        </p:txBody>
+      </p:sp>
+      <p:cxnSp>
+        <p:nvCxnSpPr>
+          <p:cNvPr id="18" name="Conector recto 17"/>
+          <p:cNvCxnSpPr/>
+          <p:nvPr/>
+        </p:nvCxnSpPr>
+        <p:spPr>
+          <a:xfrm>
+            <a:off x="7171134" y="1851670"/>
+            <a:ext cx="0" cy="2736304"/>
+          </a:xfrm>
+          <a:prstGeom prst="line">
+            <a:avLst/>
+          </a:prstGeom>
+          <a:ln>
+            <a:prstDash val="lgDash"/>
+          </a:ln>
+        </p:spPr>
+        <p:style>
+          <a:lnRef idx="1">
+            <a:schemeClr val="accent1"/>
+          </a:lnRef>
+          <a:fillRef idx="0">
+            <a:schemeClr val="accent1"/>
+          </a:fillRef>
+          <a:effectRef idx="0">
+            <a:schemeClr val="accent1"/>
+          </a:effectRef>
+          <a:fontRef idx="minor">
+            <a:schemeClr val="tx1"/>
+          </a:fontRef>
+        </p:style>
+      </p:cxnSp>
+      <p:sp>
+        <p:nvSpPr>
+          <p:cNvPr id="17" name="Rectángulo 16"/>
+          <p:cNvSpPr/>
+          <p:nvPr/>
+        </p:nvSpPr>
+        <p:spPr>
+          <a:xfrm>
+            <a:off x="7099126" y="3764871"/>
+            <a:ext cx="137170" cy="144016"/>
+          </a:xfrm>
+          <a:prstGeom prst="rect">
+            <a:avLst/>
+          </a:prstGeom>
+          <a:solidFill>
+            <a:schemeClr val="tx1">
+              <a:lumMod val="75000"/>
+            </a:schemeClr>
+          </a:solidFill>
+        </p:spPr>
+        <p:style>
+          <a:lnRef idx="2">
+            <a:schemeClr val="accent1">
+              <a:shade val="50000"/>
+            </a:schemeClr>
+          </a:lnRef>
+          <a:fillRef idx="1">
+            <a:schemeClr val="accent1"/>
+          </a:fillRef>
+          <a:effectRef idx="0">
+            <a:schemeClr val="accent1"/>
+          </a:effectRef>
+          <a:fontRef idx="minor">
+            <a:schemeClr val="lt1"/>
+          </a:fontRef>
+        </p:style>
+        <p:txBody>
+          <a:bodyPr rtlCol="0" anchor="ctr"/>
+          <a:lstStyle/>
+          <a:p>
+            <a:pPr algn="ctr"/>
+            <a:endParaRPr lang="es-CO"/>
+          </a:p>
+        </p:txBody>
+      </p:sp>
+      <p:sp>
+        <p:nvSpPr>
+          <p:cNvPr id="21" name="Rectángulo 4">
+            <a:extLst>
+              <a:ext uri="{FF2B5EF4-FFF2-40B4-BE49-F238E27FC236}">
+                <a16:creationId xmlns:a16="http://schemas.microsoft.com/office/drawing/2014/main" id="{52D277B3-91F6-EA43-BF2D-D735B5698E4A}"/>
+              </a:ext>
+            </a:extLst>
+          </p:cNvPr>
+          <p:cNvSpPr/>
+          <p:nvPr/>
+        </p:nvSpPr>
+        <p:spPr>
+          <a:xfrm>
+            <a:off x="3923928" y="2499742"/>
+            <a:ext cx="158006" cy="504056"/>
+          </a:xfrm>
+          <a:prstGeom prst="rect">
+            <a:avLst/>
+          </a:prstGeom>
+          <a:solidFill>
+            <a:schemeClr val="accent3"/>
+          </a:solidFill>
+        </p:spPr>
+        <p:style>
+          <a:lnRef idx="2">
+            <a:schemeClr val="accent1">
+              <a:shade val="50000"/>
+            </a:schemeClr>
+          </a:lnRef>
+          <a:fillRef idx="1">
+            <a:schemeClr val="accent1"/>
+          </a:fillRef>
+          <a:effectRef idx="0">
+            <a:schemeClr val="accent1"/>
+          </a:effectRef>
+          <a:fontRef idx="minor">
+            <a:schemeClr val="lt1"/>
+          </a:fontRef>
+        </p:style>
+        <p:txBody>
+          <a:bodyPr rtlCol="0" anchor="ctr"/>
+          <a:lstStyle/>
+          <a:p>
+            <a:pPr algn="ctr"/>
+            <a:endParaRPr lang="es-CO"/>
+          </a:p>
+        </p:txBody>
+      </p:sp>
+      <p:cxnSp>
+        <p:nvCxnSpPr>
+          <p:cNvPr id="13" name="Conector recto 12"/>
+          <p:cNvCxnSpPr/>
+          <p:nvPr/>
+        </p:nvCxnSpPr>
+        <p:spPr>
+          <a:xfrm>
+            <a:off x="5436096" y="1851670"/>
+            <a:ext cx="0" cy="2736304"/>
+          </a:xfrm>
+          <a:prstGeom prst="line">
+            <a:avLst/>
+          </a:prstGeom>
+          <a:ln>
+            <a:prstDash val="lgDash"/>
+          </a:ln>
+        </p:spPr>
+        <p:style>
+          <a:lnRef idx="1">
+            <a:schemeClr val="accent1"/>
+          </a:lnRef>
+          <a:fillRef idx="0">
+            <a:schemeClr val="accent1"/>
+          </a:fillRef>
+          <a:effectRef idx="0">
+            <a:schemeClr val="accent1"/>
+          </a:effectRef>
+          <a:fontRef idx="minor">
+            <a:schemeClr val="tx1"/>
+          </a:fontRef>
+        </p:style>
+      </p:cxnSp>
+      <p:cxnSp>
+        <p:nvCxnSpPr>
+          <p:cNvPr id="25" name="Conector recto de flecha 21">
+            <a:extLst>
+              <a:ext uri="{FF2B5EF4-FFF2-40B4-BE49-F238E27FC236}">
+                <a16:creationId xmlns:a16="http://schemas.microsoft.com/office/drawing/2014/main" id="{96A448AC-21FA-C245-B73F-EDCBDF3BF4D1}"/>
+              </a:ext>
+            </a:extLst>
+          </p:cNvPr>
+          <p:cNvCxnSpPr>
+            <a:cxnSpLocks/>
+          </p:cNvCxnSpPr>
+          <p:nvPr/>
+        </p:nvCxnSpPr>
+        <p:spPr>
+          <a:xfrm>
+            <a:off x="5517010" y="3842626"/>
+            <a:ext cx="1582116" cy="0"/>
+          </a:xfrm>
+          <a:prstGeom prst="straightConnector1">
+            <a:avLst/>
+          </a:prstGeom>
+          <a:ln>
+            <a:tailEnd type="triangle"/>
+          </a:ln>
+        </p:spPr>
+        <p:style>
+          <a:lnRef idx="1">
+            <a:schemeClr val="accent1"/>
+          </a:lnRef>
+          <a:fillRef idx="0">
+            <a:schemeClr val="accent1"/>
+          </a:fillRef>
+          <a:effectRef idx="0">
+            <a:schemeClr val="accent1"/>
+          </a:effectRef>
+          <a:fontRef idx="minor">
+            <a:schemeClr val="tx1"/>
+          </a:fontRef>
+        </p:style>
+      </p:cxnSp>
+      <p:sp>
+        <p:nvSpPr>
+          <p:cNvPr id="27" name="Rectángulo 16">
+            <a:extLst>
+              <a:ext uri="{FF2B5EF4-FFF2-40B4-BE49-F238E27FC236}">
+                <a16:creationId xmlns:a16="http://schemas.microsoft.com/office/drawing/2014/main" id="{DE3BC411-D3CE-A541-9C2E-F0AD79AC4ED1}"/>
+              </a:ext>
+            </a:extLst>
+          </p:cNvPr>
+          <p:cNvSpPr/>
+          <p:nvPr/>
+        </p:nvSpPr>
+        <p:spPr>
+          <a:xfrm>
+            <a:off x="7099126" y="4340935"/>
+            <a:ext cx="137170" cy="144016"/>
+          </a:xfrm>
+          <a:prstGeom prst="rect">
+            <a:avLst/>
+          </a:prstGeom>
+          <a:solidFill>
+            <a:schemeClr val="tx1">
+              <a:lumMod val="75000"/>
+            </a:schemeClr>
+          </a:solidFill>
+        </p:spPr>
+        <p:style>
+          <a:lnRef idx="2">
+            <a:schemeClr val="accent1">
+              <a:shade val="50000"/>
+            </a:schemeClr>
+          </a:lnRef>
+          <a:fillRef idx="1">
+            <a:schemeClr val="accent1"/>
+          </a:fillRef>
+          <a:effectRef idx="0">
+            <a:schemeClr val="accent1"/>
+          </a:effectRef>
+          <a:fontRef idx="minor">
+            <a:schemeClr val="lt1"/>
+          </a:fontRef>
+        </p:style>
+        <p:txBody>
+          <a:bodyPr rtlCol="0" anchor="ctr"/>
+          <a:lstStyle/>
+          <a:p>
+            <a:pPr algn="ctr"/>
+            <a:endParaRPr lang="es-CO"/>
+          </a:p>
+        </p:txBody>
+      </p:sp>
+      <p:sp>
+        <p:nvSpPr>
+          <p:cNvPr id="12" name="Rectángulo 11"/>
+          <p:cNvSpPr/>
+          <p:nvPr/>
+        </p:nvSpPr>
+        <p:spPr>
+          <a:xfrm>
+            <a:off x="5364088" y="1923678"/>
+            <a:ext cx="152922" cy="2620962"/>
+          </a:xfrm>
+          <a:prstGeom prst="rect">
+            <a:avLst/>
+          </a:prstGeom>
+          <a:solidFill>
+            <a:schemeClr val="bg1">
+              <a:lumMod val="75000"/>
+              <a:lumOff val="25000"/>
+            </a:schemeClr>
+          </a:solidFill>
+        </p:spPr>
+        <p:style>
+          <a:lnRef idx="2">
+            <a:schemeClr val="accent1">
+              <a:shade val="50000"/>
+            </a:schemeClr>
+          </a:lnRef>
+          <a:fillRef idx="1">
+            <a:schemeClr val="accent1"/>
+          </a:fillRef>
+          <a:effectRef idx="0">
+            <a:schemeClr val="accent1"/>
+          </a:effectRef>
+          <a:fontRef idx="minor">
+            <a:schemeClr val="lt1"/>
+          </a:fontRef>
+        </p:style>
+        <p:txBody>
+          <a:bodyPr rtlCol="0" anchor="ctr"/>
+          <a:lstStyle/>
+          <a:p>
+            <a:pPr algn="ctr"/>
+            <a:endParaRPr lang="es-CO"/>
+          </a:p>
+        </p:txBody>
+      </p:sp>
+      <p:cxnSp>
+        <p:nvCxnSpPr>
+          <p:cNvPr id="31" name="Conector recto de flecha 21">
+            <a:extLst>
+              <a:ext uri="{FF2B5EF4-FFF2-40B4-BE49-F238E27FC236}">
+                <a16:creationId xmlns:a16="http://schemas.microsoft.com/office/drawing/2014/main" id="{2A870567-7BAE-4A44-BB96-BF909FBDC779}"/>
+              </a:ext>
+            </a:extLst>
+          </p:cNvPr>
+          <p:cNvCxnSpPr>
+            <a:cxnSpLocks/>
+          </p:cNvCxnSpPr>
+          <p:nvPr/>
+        </p:nvCxnSpPr>
+        <p:spPr>
+          <a:xfrm>
+            <a:off x="5517010" y="4412943"/>
+            <a:ext cx="1582116" cy="0"/>
+          </a:xfrm>
+          <a:prstGeom prst="straightConnector1">
+            <a:avLst/>
+          </a:prstGeom>
+          <a:ln>
+            <a:tailEnd type="triangle"/>
+          </a:ln>
+        </p:spPr>
+        <p:style>
+          <a:lnRef idx="1">
+            <a:schemeClr val="accent1"/>
+          </a:lnRef>
+          <a:fillRef idx="0">
+            <a:schemeClr val="accent1"/>
+          </a:fillRef>
+          <a:effectRef idx="0">
+            <a:schemeClr val="accent1"/>
+          </a:effectRef>
+          <a:fontRef idx="minor">
+            <a:schemeClr val="tx1"/>
+          </a:fontRef>
+        </p:style>
+      </p:cxnSp>
+      <p:pic>
+        <p:nvPicPr>
+          <p:cNvPr id="19" name="Picture 3">
+            <a:extLst>
+              <a:ext uri="{FF2B5EF4-FFF2-40B4-BE49-F238E27FC236}">
+                <a16:creationId xmlns:a16="http://schemas.microsoft.com/office/drawing/2014/main" id="{38A5FC02-BFB0-8D48-88A8-ED7A67DA790B}"/>
+              </a:ext>
+            </a:extLst>
+          </p:cNvPr>
+          <p:cNvPicPr>
+            <a:picLocks noChangeAspect="1"/>
+          </p:cNvPicPr>
+          <p:nvPr/>
+        </p:nvPicPr>
+        <p:blipFill>
+          <a:blip r:embed="rId2"/>
+          <a:stretch>
+            <a:fillRect/>
+          </a:stretch>
+        </p:blipFill>
+        <p:spPr>
+          <a:xfrm>
+            <a:off x="899592" y="1335554"/>
+            <a:ext cx="527444" cy="598920"/>
+          </a:xfrm>
+          <a:prstGeom prst="rect">
+            <a:avLst/>
+          </a:prstGeom>
+        </p:spPr>
+      </p:pic>
+      <p:cxnSp>
+        <p:nvCxnSpPr>
+          <p:cNvPr id="22" name="Conector recto 21"/>
+          <p:cNvCxnSpPr/>
+          <p:nvPr/>
+        </p:nvCxnSpPr>
+        <p:spPr>
+          <a:xfrm>
+            <a:off x="1115616" y="1894999"/>
+            <a:ext cx="0" cy="2736304"/>
+          </a:xfrm>
+          <a:prstGeom prst="line">
+            <a:avLst/>
+          </a:prstGeom>
+          <a:ln>
+            <a:prstDash val="lgDash"/>
+          </a:ln>
+        </p:spPr>
+        <p:style>
+          <a:lnRef idx="1">
+            <a:schemeClr val="accent1"/>
+          </a:lnRef>
+          <a:fillRef idx="0">
+            <a:schemeClr val="accent1"/>
+          </a:fillRef>
+          <a:effectRef idx="0">
+            <a:schemeClr val="accent1"/>
+          </a:effectRef>
+          <a:fontRef idx="minor">
+            <a:schemeClr val="tx1"/>
+          </a:fontRef>
+        </p:style>
+      </p:cxnSp>
+      <p:cxnSp>
+        <p:nvCxnSpPr>
+          <p:cNvPr id="4" name="Conector recto de flecha 3"/>
+          <p:cNvCxnSpPr/>
+          <p:nvPr/>
+        </p:nvCxnSpPr>
+        <p:spPr>
+          <a:xfrm>
+            <a:off x="1115616" y="3800567"/>
+            <a:ext cx="4248472" cy="0"/>
+          </a:xfrm>
+          <a:prstGeom prst="straightConnector1">
+            <a:avLst/>
+          </a:prstGeom>
+          <a:ln>
+            <a:tailEnd type="triangle"/>
+          </a:ln>
+        </p:spPr>
+        <p:style>
+          <a:lnRef idx="1">
+            <a:schemeClr val="accent1"/>
+          </a:lnRef>
+          <a:fillRef idx="0">
+            <a:schemeClr val="accent1"/>
+          </a:fillRef>
+          <a:effectRef idx="0">
+            <a:schemeClr val="accent1"/>
+          </a:effectRef>
+          <a:fontRef idx="minor">
+            <a:schemeClr val="tx1"/>
+          </a:fontRef>
+        </p:style>
+      </p:cxnSp>
+      <p:cxnSp>
+        <p:nvCxnSpPr>
+          <p:cNvPr id="29" name="Conector recto de flecha 28"/>
+          <p:cNvCxnSpPr/>
+          <p:nvPr/>
+        </p:nvCxnSpPr>
+        <p:spPr>
+          <a:xfrm>
+            <a:off x="1115616" y="4366452"/>
+            <a:ext cx="4248472" cy="0"/>
+          </a:xfrm>
+          <a:prstGeom prst="straightConnector1">
+            <a:avLst/>
+          </a:prstGeom>
+          <a:ln>
+            <a:tailEnd type="triangle"/>
+          </a:ln>
+        </p:spPr>
+        <p:style>
+          <a:lnRef idx="1">
+            <a:schemeClr val="accent1"/>
+          </a:lnRef>
+          <a:fillRef idx="0">
+            <a:schemeClr val="accent1"/>
+          </a:fillRef>
+          <a:effectRef idx="0">
+            <a:schemeClr val="accent1"/>
+          </a:effectRef>
+          <a:fontRef idx="minor">
+            <a:schemeClr val="tx1"/>
+          </a:fontRef>
+        </p:style>
+      </p:cxnSp>
+      <p:sp>
+        <p:nvSpPr>
+          <p:cNvPr id="26" name="Rectángulo 4">
+            <a:extLst>
+              <a:ext uri="{FF2B5EF4-FFF2-40B4-BE49-F238E27FC236}">
+                <a16:creationId xmlns:a16="http://schemas.microsoft.com/office/drawing/2014/main" id="{52D277B3-91F6-EA43-BF2D-D735B5698E4A}"/>
+              </a:ext>
+            </a:extLst>
+          </p:cNvPr>
+          <p:cNvSpPr/>
+          <p:nvPr/>
+        </p:nvSpPr>
+        <p:spPr>
+          <a:xfrm>
+            <a:off x="1036612" y="3692863"/>
+            <a:ext cx="171848" cy="251720"/>
+          </a:xfrm>
+          <a:prstGeom prst="rect">
+            <a:avLst/>
+          </a:prstGeom>
+          <a:solidFill>
+            <a:schemeClr val="accent3"/>
+          </a:solidFill>
+        </p:spPr>
+        <p:style>
+          <a:lnRef idx="2">
+            <a:schemeClr val="accent1">
+              <a:shade val="50000"/>
+            </a:schemeClr>
+          </a:lnRef>
+          <a:fillRef idx="1">
+            <a:schemeClr val="accent1"/>
+          </a:fillRef>
+          <a:effectRef idx="0">
+            <a:schemeClr val="accent1"/>
+          </a:effectRef>
+          <a:fontRef idx="minor">
+            <a:schemeClr val="lt1"/>
+          </a:fontRef>
+        </p:style>
+        <p:txBody>
+          <a:bodyPr rtlCol="0" anchor="ctr"/>
+          <a:lstStyle/>
+          <a:p>
+            <a:pPr algn="ctr"/>
+            <a:endParaRPr lang="es-CO"/>
+          </a:p>
+        </p:txBody>
+      </p:sp>
+      <p:sp>
+        <p:nvSpPr>
+          <p:cNvPr id="32" name="Rectángulo 4">
+            <a:extLst>
+              <a:ext uri="{FF2B5EF4-FFF2-40B4-BE49-F238E27FC236}">
+                <a16:creationId xmlns:a16="http://schemas.microsoft.com/office/drawing/2014/main" id="{52D277B3-91F6-EA43-BF2D-D735B5698E4A}"/>
+              </a:ext>
+            </a:extLst>
+          </p:cNvPr>
+          <p:cNvSpPr/>
+          <p:nvPr/>
+        </p:nvSpPr>
+        <p:spPr>
+          <a:xfrm>
+            <a:off x="1034703" y="4261332"/>
+            <a:ext cx="171848" cy="251720"/>
+          </a:xfrm>
+          <a:prstGeom prst="rect">
+            <a:avLst/>
+          </a:prstGeom>
+          <a:solidFill>
+            <a:schemeClr val="accent3"/>
+          </a:solidFill>
+        </p:spPr>
+        <p:style>
+          <a:lnRef idx="2">
+            <a:schemeClr val="accent1">
+              <a:shade val="50000"/>
+            </a:schemeClr>
+          </a:lnRef>
+          <a:fillRef idx="1">
+            <a:schemeClr val="accent1"/>
+          </a:fillRef>
+          <a:effectRef idx="0">
+            <a:schemeClr val="accent1"/>
+          </a:effectRef>
+          <a:fontRef idx="minor">
+            <a:schemeClr val="lt1"/>
+          </a:fontRef>
+        </p:style>
+        <p:txBody>
+          <a:bodyPr rtlCol="0" anchor="ctr"/>
+          <a:lstStyle/>
+          <a:p>
+            <a:pPr algn="ctr"/>
+            <a:endParaRPr lang="es-CO"/>
+          </a:p>
+        </p:txBody>
+      </p:sp>
+      <p:cxnSp>
+        <p:nvCxnSpPr>
+          <p:cNvPr id="8" name="Conector recto de flecha 7"/>
+          <p:cNvCxnSpPr/>
+          <p:nvPr/>
+        </p:nvCxnSpPr>
+        <p:spPr>
+          <a:xfrm flipH="1">
+            <a:off x="1115616" y="2571750"/>
+            <a:ext cx="2808312" cy="0"/>
+          </a:xfrm>
+          <a:prstGeom prst="straightConnector1">
+            <a:avLst/>
+          </a:prstGeom>
+          <a:ln>
+            <a:tailEnd type="triangle"/>
+          </a:ln>
+        </p:spPr>
+        <p:style>
+          <a:lnRef idx="1">
+            <a:schemeClr val="accent1"/>
+          </a:lnRef>
+          <a:fillRef idx="0">
+            <a:schemeClr val="accent1"/>
+          </a:fillRef>
+          <a:effectRef idx="0">
+            <a:schemeClr val="accent1"/>
+          </a:effectRef>
+          <a:fontRef idx="minor">
+            <a:schemeClr val="tx1"/>
+          </a:fontRef>
+        </p:style>
+      </p:cxnSp>
+      <p:cxnSp>
+        <p:nvCxnSpPr>
+          <p:cNvPr id="33" name="Conector recto de flecha 32"/>
+          <p:cNvCxnSpPr/>
+          <p:nvPr/>
+        </p:nvCxnSpPr>
+        <p:spPr>
+          <a:xfrm flipH="1">
+            <a:off x="1115616" y="2931790"/>
+            <a:ext cx="2808312" cy="0"/>
+          </a:xfrm>
+          <a:prstGeom prst="straightConnector1">
+            <a:avLst/>
+          </a:prstGeom>
+          <a:ln>
+            <a:tailEnd type="triangle"/>
+          </a:ln>
+        </p:spPr>
+        <p:style>
+          <a:lnRef idx="1">
+            <a:schemeClr val="accent1"/>
+          </a:lnRef>
+          <a:fillRef idx="0">
+            <a:schemeClr val="accent1"/>
+          </a:fillRef>
+          <a:effectRef idx="0">
+            <a:schemeClr val="accent1"/>
+          </a:effectRef>
+          <a:fontRef idx="minor">
+            <a:schemeClr val="tx1"/>
+          </a:fontRef>
+        </p:style>
+      </p:cxnSp>
+      <p:sp>
+        <p:nvSpPr>
+          <p:cNvPr id="11" name="CuadroTexto 10"/>
+          <p:cNvSpPr txBox="1"/>
+          <p:nvPr/>
+        </p:nvSpPr>
+        <p:spPr>
+          <a:xfrm>
+            <a:off x="1942841" y="2248023"/>
+            <a:ext cx="1505323" cy="307777"/>
+          </a:xfrm>
+          <a:prstGeom prst="rect">
+            <a:avLst/>
+          </a:prstGeom>
+          <a:noFill/>
+        </p:spPr>
+        <p:txBody>
+          <a:bodyPr wrap="square" rtlCol="0">
+            <a:spAutoFit/>
+          </a:bodyPr>
+          <a:lstStyle/>
+          <a:p>
+            <a:r>
+              <a:rPr lang="es-ES" dirty="0" smtClean="0">
+                <a:solidFill>
+                  <a:schemeClr val="tx1"/>
+                </a:solidFill>
+              </a:rPr>
+              <a:t>Enviar data</a:t>
+            </a:r>
+            <a:endParaRPr lang="es-CO" dirty="0">
+              <a:solidFill>
+                <a:schemeClr val="tx1"/>
+              </a:solidFill>
+            </a:endParaRPr>
+          </a:p>
+        </p:txBody>
+      </p:sp>
+      <p:sp>
+        <p:nvSpPr>
+          <p:cNvPr id="34" name="CuadroTexto 33"/>
+          <p:cNvSpPr txBox="1"/>
+          <p:nvPr/>
+        </p:nvSpPr>
+        <p:spPr>
+          <a:xfrm>
+            <a:off x="1962272" y="2627808"/>
+            <a:ext cx="1505323" cy="307777"/>
+          </a:xfrm>
+          <a:prstGeom prst="rect">
+            <a:avLst/>
+          </a:prstGeom>
+          <a:noFill/>
+        </p:spPr>
+        <p:txBody>
+          <a:bodyPr wrap="square" rtlCol="0">
+            <a:spAutoFit/>
+          </a:bodyPr>
+          <a:lstStyle/>
+          <a:p>
+            <a:r>
+              <a:rPr lang="es-ES" dirty="0" smtClean="0">
+                <a:solidFill>
+                  <a:schemeClr val="tx1"/>
+                </a:solidFill>
+              </a:rPr>
+              <a:t>Enviar data</a:t>
+            </a:r>
+            <a:endParaRPr lang="es-CO" dirty="0">
+              <a:solidFill>
+                <a:schemeClr val="tx1"/>
+              </a:solidFill>
+            </a:endParaRPr>
+          </a:p>
+        </p:txBody>
+      </p:sp>
+      <p:sp>
+        <p:nvSpPr>
+          <p:cNvPr id="35" name="CuadroTexto 34"/>
+          <p:cNvSpPr txBox="1"/>
+          <p:nvPr/>
+        </p:nvSpPr>
+        <p:spPr>
+          <a:xfrm>
+            <a:off x="2425452" y="3507854"/>
+            <a:ext cx="1505323" cy="307777"/>
+          </a:xfrm>
+          <a:prstGeom prst="rect">
+            <a:avLst/>
+          </a:prstGeom>
+          <a:noFill/>
+        </p:spPr>
+        <p:txBody>
+          <a:bodyPr wrap="square" rtlCol="0">
+            <a:spAutoFit/>
+          </a:bodyPr>
+          <a:lstStyle/>
+          <a:p>
+            <a:r>
+              <a:rPr lang="es-ES" dirty="0" err="1" smtClean="0">
+                <a:solidFill>
+                  <a:schemeClr val="tx1"/>
+                </a:solidFill>
+              </a:rPr>
+              <a:t>Push</a:t>
+            </a:r>
+            <a:r>
+              <a:rPr lang="es-ES" dirty="0" smtClean="0">
+                <a:solidFill>
+                  <a:schemeClr val="tx1"/>
+                </a:solidFill>
+              </a:rPr>
+              <a:t> </a:t>
+            </a:r>
+            <a:r>
+              <a:rPr lang="es-ES" dirty="0" err="1" smtClean="0">
+                <a:solidFill>
+                  <a:schemeClr val="tx1"/>
+                </a:solidFill>
+              </a:rPr>
+              <a:t>Not</a:t>
+            </a:r>
+            <a:r>
+              <a:rPr lang="es-ES" dirty="0" smtClean="0">
+                <a:solidFill>
+                  <a:schemeClr val="tx1"/>
+                </a:solidFill>
+              </a:rPr>
+              <a:t> 1</a:t>
+            </a:r>
+            <a:endParaRPr lang="es-CO" dirty="0">
+              <a:solidFill>
+                <a:schemeClr val="tx1"/>
+              </a:solidFill>
+            </a:endParaRPr>
+          </a:p>
+        </p:txBody>
+      </p:sp>
+      <p:sp>
+        <p:nvSpPr>
+          <p:cNvPr id="36" name="CuadroTexto 35"/>
+          <p:cNvSpPr txBox="1"/>
+          <p:nvPr/>
+        </p:nvSpPr>
+        <p:spPr>
+          <a:xfrm>
+            <a:off x="2430790" y="4071095"/>
+            <a:ext cx="1505323" cy="307777"/>
+          </a:xfrm>
+          <a:prstGeom prst="rect">
+            <a:avLst/>
+          </a:prstGeom>
+          <a:noFill/>
+        </p:spPr>
+        <p:txBody>
+          <a:bodyPr wrap="square" rtlCol="0">
+            <a:spAutoFit/>
+          </a:bodyPr>
+          <a:lstStyle/>
+          <a:p>
+            <a:r>
+              <a:rPr lang="es-ES" dirty="0" err="1" smtClean="0">
+                <a:solidFill>
+                  <a:schemeClr val="tx1"/>
+                </a:solidFill>
+              </a:rPr>
+              <a:t>Push</a:t>
+            </a:r>
+            <a:r>
+              <a:rPr lang="es-ES" dirty="0" smtClean="0">
+                <a:solidFill>
+                  <a:schemeClr val="tx1"/>
+                </a:solidFill>
+              </a:rPr>
+              <a:t> </a:t>
+            </a:r>
+            <a:r>
+              <a:rPr lang="es-ES" dirty="0" err="1" smtClean="0">
+                <a:solidFill>
+                  <a:schemeClr val="tx1"/>
+                </a:solidFill>
+              </a:rPr>
+              <a:t>Not</a:t>
+            </a:r>
+            <a:r>
+              <a:rPr lang="es-ES" dirty="0" smtClean="0">
+                <a:solidFill>
+                  <a:schemeClr val="tx1"/>
+                </a:solidFill>
+              </a:rPr>
+              <a:t> 2</a:t>
+            </a:r>
+            <a:endParaRPr lang="es-CO" dirty="0">
+              <a:solidFill>
+                <a:schemeClr val="tx1"/>
+              </a:solidFill>
+            </a:endParaRPr>
+          </a:p>
+        </p:txBody>
+      </p:sp>
+    </p:spTree>
+    <p:extLst>
+      <p:ext uri="{BB962C8B-B14F-4D97-AF65-F5344CB8AC3E}">
+        <p14:creationId xmlns:p14="http://schemas.microsoft.com/office/powerpoint/2010/main" val="2543173096"/>
+      </p:ext>
+    </p:extLst>
+  </p:cSld>
+  <p:clrMapOvr>
+    <a:masterClrMapping/>
+  </p:clrMapOvr>
+  <p:timing>
+    <p:tnLst>
+      <p:par>
+        <p:cTn id="1" dur="indefinite" restart="never" nodeType="tmRoot"/>
+      </p:par>
+    </p:tnLst>
+  </p:timing>
 </p:sld>
 </file>
 
@@ -19509,6 +20706,13 @@
   <p:clrMapOvr>
     <a:masterClrMapping/>
   </p:clrMapOvr>
+  <p:timing>
+    <p:tnLst>
+      <p:par>
+        <p:cTn id="1" dur="indefinite" restart="never" nodeType="tmRoot"/>
+      </p:par>
+    </p:tnLst>
+  </p:timing>
 </p:sld>
 </file>
 
@@ -19946,6 +21150,13 @@
   <p:clrMapOvr>
     <a:masterClrMapping/>
   </p:clrMapOvr>
+  <p:timing>
+    <p:tnLst>
+      <p:par>
+        <p:cTn id="1" dur="indefinite" restart="never" nodeType="tmRoot"/>
+      </p:par>
+    </p:tnLst>
+  </p:timing>
 </p:sld>
 </file>
 
@@ -20266,6 +21477,13 @@
   <p:clrMapOvr>
     <a:masterClrMapping/>
   </p:clrMapOvr>
+  <p:timing>
+    <p:tnLst>
+      <p:par>
+        <p:cTn id="1" dur="indefinite" restart="never" nodeType="tmRoot"/>
+      </p:par>
+    </p:tnLst>
+  </p:timing>
 </p:sld>
 </file>
 
@@ -20539,6 +21757,13 @@
   <p:clrMapOvr>
     <a:masterClrMapping/>
   </p:clrMapOvr>
+  <p:timing>
+    <p:tnLst>
+      <p:par>
+        <p:cTn id="1" dur="indefinite" restart="never" nodeType="tmRoot"/>
+      </p:par>
+    </p:tnLst>
+  </p:timing>
 </p:sld>
 </file>
 
@@ -20691,6 +21916,13 @@
   <p:clrMapOvr>
     <a:masterClrMapping/>
   </p:clrMapOvr>
+  <p:timing>
+    <p:tnLst>
+      <p:par>
+        <p:cTn id="1" dur="indefinite" restart="never" nodeType="tmRoot"/>
+      </p:par>
+    </p:tnLst>
+  </p:timing>
 </p:sld>
 </file>
 
@@ -21573,6 +22805,13 @@
   <p:clrMapOvr>
     <a:masterClrMapping/>
   </p:clrMapOvr>
+  <p:timing>
+    <p:tnLst>
+      <p:par>
+        <p:cTn id="1" dur="indefinite" restart="never" nodeType="tmRoot"/>
+      </p:par>
+    </p:tnLst>
+  </p:timing>
 </p:sld>
 </file>
 
@@ -22520,6 +23759,13 @@
   <p:clrMapOvr>
     <a:masterClrMapping/>
   </p:clrMapOvr>
+  <p:timing>
+    <p:tnLst>
+      <p:par>
+        <p:cTn id="1" dur="indefinite" restart="never" nodeType="tmRoot"/>
+      </p:par>
+    </p:tnLst>
+  </p:timing>
 </p:sld>
 </file>
 

--- a/Clase 12/Clase 12.pptx
+++ b/Clase 12/Clase 12.pptx
@@ -1551,7 +1551,7 @@
           <a:p>
             <a:fld id="{7F8E3347-EFDA-483A-9E95-BDA4F3B6010F}" type="datetimeFigureOut">
               <a:rPr lang="en-US" smtClean="0"/>
-              <a:t>4/21/2020</a:t>
+              <a:t>4/28/2020</a:t>
             </a:fld>
             <a:endParaRPr lang="en-US"/>
           </a:p>
@@ -1777,7 +1777,7 @@
           <a:p>
             <a:fld id="{7F8E3347-EFDA-483A-9E95-BDA4F3B6010F}" type="datetimeFigureOut">
               <a:rPr lang="en-US" smtClean="0"/>
-              <a:t>4/21/2020</a:t>
+              <a:t>4/28/2020</a:t>
             </a:fld>
             <a:endParaRPr lang="en-US"/>
           </a:p>
@@ -2051,7 +2051,7 @@
           <a:p>
             <a:fld id="{7F8E3347-EFDA-483A-9E95-BDA4F3B6010F}" type="datetimeFigureOut">
               <a:rPr lang="en-US" smtClean="0"/>
-              <a:t>4/21/2020</a:t>
+              <a:t>4/28/2020</a:t>
             </a:fld>
             <a:endParaRPr lang="en-US"/>
           </a:p>
@@ -2273,7 +2273,7 @@
           <a:p>
             <a:fld id="{1D8BD707-D9CF-40AE-B4C6-C98DA3205C09}" type="datetimeFigureOut">
               <a:rPr lang="en-US"/>
-              <a:t>4/21/2020</a:t>
+              <a:t>4/28/2020</a:t>
             </a:fld>
             <a:endParaRPr lang="en-US"/>
           </a:p>
@@ -2448,7 +2448,7 @@
           <a:p>
             <a:fld id="{1D8BD707-D9CF-40AE-B4C6-C98DA3205C09}" type="datetimeFigureOut">
               <a:rPr lang="en-US"/>
-              <a:t>4/21/2020</a:t>
+              <a:t>4/28/2020</a:t>
             </a:fld>
             <a:endParaRPr lang="en-US"/>
           </a:p>
@@ -2662,7 +2662,7 @@
           <a:p>
             <a:fld id="{1D8BD707-D9CF-40AE-B4C6-C98DA3205C09}" type="datetimeFigureOut">
               <a:rPr lang="en-US"/>
-              <a:t>4/21/2020</a:t>
+              <a:t>4/28/2020</a:t>
             </a:fld>
             <a:endParaRPr lang="en-US"/>
           </a:p>
@@ -2960,7 +2960,7 @@
           <a:p>
             <a:fld id="{1D8BD707-D9CF-40AE-B4C6-C98DA3205C09}" type="datetimeFigureOut">
               <a:rPr lang="en-US"/>
-              <a:t>4/21/2020</a:t>
+              <a:t>4/28/2020</a:t>
             </a:fld>
             <a:endParaRPr lang="en-US"/>
           </a:p>
@@ -3229,7 +3229,7 @@
           <a:p>
             <a:fld id="{1D8BD707-D9CF-40AE-B4C6-C98DA3205C09}" type="datetimeFigureOut">
               <a:rPr lang="en-US"/>
-              <a:t>4/21/2020</a:t>
+              <a:t>4/28/2020</a:t>
             </a:fld>
             <a:endParaRPr lang="en-US"/>
           </a:p>
@@ -3384,7 +3384,7 @@
           <a:p>
             <a:fld id="{7F8E3347-EFDA-483A-9E95-BDA4F3B6010F}" type="datetimeFigureOut">
               <a:rPr lang="en-US" smtClean="0"/>
-              <a:t>4/21/2020</a:t>
+              <a:t>4/28/2020</a:t>
             </a:fld>
             <a:endParaRPr lang="en-US"/>
           </a:p>
@@ -3737,7 +3737,7 @@
           <a:p>
             <a:fld id="{7F8E3347-EFDA-483A-9E95-BDA4F3B6010F}" type="datetimeFigureOut">
               <a:rPr lang="en-US" smtClean="0"/>
-              <a:t>4/21/2020</a:t>
+              <a:t>4/28/2020</a:t>
             </a:fld>
             <a:endParaRPr lang="en-US"/>
           </a:p>
@@ -4030,7 +4030,7 @@
           <a:p>
             <a:fld id="{7F8E3347-EFDA-483A-9E95-BDA4F3B6010F}" type="datetimeFigureOut">
               <a:rPr lang="en-US" smtClean="0"/>
-              <a:t>4/21/2020</a:t>
+              <a:t>4/28/2020</a:t>
             </a:fld>
             <a:endParaRPr lang="en-US"/>
           </a:p>
@@ -4427,7 +4427,7 @@
           <a:p>
             <a:fld id="{7F8E3347-EFDA-483A-9E95-BDA4F3B6010F}" type="datetimeFigureOut">
               <a:rPr lang="en-US" smtClean="0"/>
-              <a:t>4/21/2020</a:t>
+              <a:t>4/28/2020</a:t>
             </a:fld>
             <a:endParaRPr lang="en-US"/>
           </a:p>
@@ -4563,7 +4563,7 @@
           <a:p>
             <a:fld id="{7F8E3347-EFDA-483A-9E95-BDA4F3B6010F}" type="datetimeFigureOut">
               <a:rPr lang="en-US" smtClean="0"/>
-              <a:t>4/21/2020</a:t>
+              <a:t>4/28/2020</a:t>
             </a:fld>
             <a:endParaRPr lang="en-US"/>
           </a:p>
@@ -4752,7 +4752,7 @@
           <a:p>
             <a:fld id="{7F8E3347-EFDA-483A-9E95-BDA4F3B6010F}" type="datetimeFigureOut">
               <a:rPr lang="en-US" smtClean="0"/>
-              <a:t>4/21/2020</a:t>
+              <a:t>4/28/2020</a:t>
             </a:fld>
             <a:endParaRPr lang="en-US"/>
           </a:p>
@@ -5115,7 +5115,7 @@
           <a:p>
             <a:fld id="{7F8E3347-EFDA-483A-9E95-BDA4F3B6010F}" type="datetimeFigureOut">
               <a:rPr lang="en-US" smtClean="0"/>
-              <a:t>4/21/2020</a:t>
+              <a:t>4/28/2020</a:t>
             </a:fld>
             <a:endParaRPr lang="en-US"/>
           </a:p>
@@ -5510,7 +5510,7 @@
           <a:p>
             <a:fld id="{7F8E3347-EFDA-483A-9E95-BDA4F3B6010F}" type="datetimeFigureOut">
               <a:rPr lang="en-US" smtClean="0"/>
-              <a:t>4/21/2020</a:t>
+              <a:t>4/28/2020</a:t>
             </a:fld>
             <a:endParaRPr lang="en-US"/>
           </a:p>
@@ -5815,7 +5815,7 @@
           <a:p>
             <a:fld id="{7F8E3347-EFDA-483A-9E95-BDA4F3B6010F}" type="datetimeFigureOut">
               <a:rPr lang="en-US" smtClean="0"/>
-              <a:t>4/21/2020</a:t>
+              <a:t>4/28/2020</a:t>
             </a:fld>
             <a:endParaRPr lang="en-US"/>
           </a:p>
@@ -6659,7 +6659,7 @@
           <a:p>
             <a:fld id="{1D8BD707-D9CF-40AE-B4C6-C98DA3205C09}" type="datetimeFigureOut">
               <a:rPr lang="en-US"/>
-              <a:t>4/21/2020</a:t>
+              <a:t>4/28/2020</a:t>
             </a:fld>
             <a:endParaRPr lang="en-US"/>
           </a:p>
